--- a/ds/aula03/Classes.pptx
+++ b/ds/aula03/Classes.pptx
@@ -108,6 +108,11 @@
       </a:defRPr>
     </a:lvl9pPr>
   </p:defaultTextStyle>
+  <p:extLst>
+    <p:ext uri="{EFAFB233-063F-42B5-8137-9DF3F51BA10A}">
+      <p15:sldGuideLst xmlns:p15="http://schemas.microsoft.com/office/powerpoint/2012/main"/>
+    </p:ext>
+  </p:extLst>
 </p:presentation>
 </file>
 
@@ -6023,8 +6028,17 @@
             </a:pPr>
             <a:r>
               <a:rPr lang="pt-BR" dirty="0" smtClean="0"/>
-              <a:t>	modificador tipo atributo;</a:t>
-            </a:r>
+              <a:t>	modificador tipo </a:t>
+            </a:r>
+            <a:r>
+              <a:rPr lang="pt-BR" dirty="0" err="1" smtClean="0"/>
+              <a:t>atributoComposto</a:t>
+            </a:r>
+            <a:r>
+              <a:rPr lang="pt-BR" dirty="0" smtClean="0"/>
+              <a:t>;</a:t>
+            </a:r>
+            <a:endParaRPr lang="pt-BR" dirty="0" smtClean="0"/>
           </a:p>
           <a:p>
             <a:pPr marL="0" indent="0">
@@ -6262,7 +6276,11 @@
             </a:pPr>
             <a:r>
               <a:rPr lang="pt-BR" dirty="0" smtClean="0"/>
-              <a:t>Servem para controlar o acesso das classes.1</a:t>
+              <a:t>Servem para controlar o acesso das classes</a:t>
+            </a:r>
+            <a:r>
+              <a:rPr lang="pt-BR" dirty="0" smtClean="0"/>
+              <a:t>.</a:t>
             </a:r>
             <a:endParaRPr lang="pt-BR" dirty="0"/>
           </a:p>
